--- a/docs/diagrams/RecycleBinSequenceDiagram.pptx
+++ b/docs/diagrams/RecycleBinSequenceDiagram.pptx
@@ -3450,7 +3450,7 @@
         </p:nvSpPr>
         <p:spPr>
           <a:xfrm>
-            <a:off x="9146204" y="136753"/>
+            <a:off x="9144000" y="276639"/>
             <a:ext cx="2477914" cy="5362161"/>
           </a:xfrm>
           <a:prstGeom prst="roundRect">
@@ -5686,101 +5686,6 @@
           </a:fontRef>
         </p:style>
       </p:cxnSp>
-      <p:cxnSp>
-        <p:nvCxnSpPr>
-          <p:cNvPr id="72" name="Straight Arrow Connector 71">
-            <a:extLst>
-              <a:ext uri="{FF2B5EF4-FFF2-40B4-BE49-F238E27FC236}">
-                <a16:creationId xmlns:a16="http://schemas.microsoft.com/office/drawing/2014/main" id="{EBCF39D6-0D68-7441-9117-347E34EF209D}"/>
-              </a:ext>
-            </a:extLst>
-          </p:cNvPr>
-          <p:cNvCxnSpPr>
-            <a:cxnSpLocks/>
-          </p:cNvCxnSpPr>
-          <p:nvPr/>
-        </p:nvCxnSpPr>
-        <p:spPr>
-          <a:xfrm>
-            <a:off x="7628362" y="4004785"/>
-            <a:ext cx="3341491" cy="23413"/>
-          </a:xfrm>
-          <a:prstGeom prst="straightConnector1">
-            <a:avLst/>
-          </a:prstGeom>
-          <a:ln w="19050">
-            <a:solidFill>
-              <a:srgbClr val="0070C0"/>
-            </a:solidFill>
-            <a:tailEnd type="arrow"/>
-          </a:ln>
-        </p:spPr>
-        <p:style>
-          <a:lnRef idx="1">
-            <a:schemeClr val="accent1"/>
-          </a:lnRef>
-          <a:fillRef idx="0">
-            <a:schemeClr val="accent1"/>
-          </a:fillRef>
-          <a:effectRef idx="0">
-            <a:schemeClr val="accent1"/>
-          </a:effectRef>
-          <a:fontRef idx="minor">
-            <a:schemeClr val="tx1"/>
-          </a:fontRef>
-        </p:style>
-      </p:cxnSp>
-      <p:sp>
-        <p:nvSpPr>
-          <p:cNvPr id="75" name="TextBox 74">
-            <a:extLst>
-              <a:ext uri="{FF2B5EF4-FFF2-40B4-BE49-F238E27FC236}">
-                <a16:creationId xmlns:a16="http://schemas.microsoft.com/office/drawing/2014/main" id="{D853AFFC-1DAF-4241-84CC-493D76115765}"/>
-              </a:ext>
-            </a:extLst>
-          </p:cNvPr>
-          <p:cNvSpPr txBox="1"/>
-          <p:nvPr/>
-        </p:nvSpPr>
-        <p:spPr>
-          <a:xfrm>
-            <a:off x="8423402" y="3739410"/>
-            <a:ext cx="2152397" cy="215444"/>
-          </a:xfrm>
-          <a:prstGeom prst="rect">
-            <a:avLst/>
-          </a:prstGeom>
-          <a:noFill/>
-        </p:spPr>
-        <p:txBody>
-          <a:bodyPr wrap="square" lIns="0" tIns="0" rIns="0" bIns="0" rtlCol="0">
-            <a:spAutoFit/>
-          </a:bodyPr>
-          <a:lstStyle>
-            <a:defPPr>
-              <a:defRPr lang="en-US"/>
-            </a:defPPr>
-            <a:lvl1pPr algn="r">
-              <a:defRPr sz="1400">
-                <a:solidFill>
-                  <a:srgbClr val="0070C0"/>
-                </a:solidFill>
-              </a:defRPr>
-            </a:lvl1pPr>
-          </a:lstStyle>
-          <a:p>
-            <a:pPr algn="l"/>
-            <a:r>
-              <a:rPr lang="en-US" dirty="0" err="1"/>
-              <a:t>addDeletedSource</a:t>
-            </a:r>
-            <a:r>
-              <a:rPr lang="en-US" dirty="0"/>
-              <a:t>(s)</a:t>
-            </a:r>
-          </a:p>
-        </p:txBody>
-      </p:sp>
     </p:spTree>
     <p:extLst>
       <p:ext uri="{BB962C8B-B14F-4D97-AF65-F5344CB8AC3E}">
